--- a/Documents/TongHop/TienDo_CongViec/Nhom_3_Tuan_6.pptx
+++ b/Documents/TongHop/TienDo_CongViec/Nhom_3_Tuan_6.pptx
@@ -1258,7 +1258,7 @@
           <a:p>
             <a:fld id="{9184DA70-C731-4C70-880D-CCD4705E623C}" type="datetime1">
               <a:rPr lang="en-US" smtClean="0"/>
-              <a:t>12/12/2019</a:t>
+              <a:t>12/17/2019</a:t>
             </a:fld>
             <a:endParaRPr lang="en-US" dirty="0"/>
           </a:p>
@@ -1428,7 +1428,7 @@
           <a:p>
             <a:fld id="{B612A279-0833-481D-8C56-F67FD0AC6C50}" type="datetime1">
               <a:rPr lang="en-US" smtClean="0"/>
-              <a:t>12/12/2019</a:t>
+              <a:t>12/17/2019</a:t>
             </a:fld>
             <a:endParaRPr lang="en-US" dirty="0"/>
           </a:p>
@@ -1608,7 +1608,7 @@
           <a:p>
             <a:fld id="{6587DA83-5663-4C9C-B9AA-0B40A3DAFF81}" type="datetime1">
               <a:rPr lang="en-US" smtClean="0"/>
-              <a:t>12/12/2019</a:t>
+              <a:t>12/17/2019</a:t>
             </a:fld>
             <a:endParaRPr lang="en-US" dirty="0"/>
           </a:p>
@@ -1778,7 +1778,7 @@
           <a:p>
             <a:fld id="{4BE1D723-8F53-4F53-90B0-1982A396982E}" type="datetime1">
               <a:rPr lang="en-US" smtClean="0"/>
-              <a:t>12/12/2019</a:t>
+              <a:t>12/17/2019</a:t>
             </a:fld>
             <a:endParaRPr lang="en-US" dirty="0"/>
           </a:p>
@@ -2024,7 +2024,7 @@
           <a:p>
             <a:fld id="{97669AF7-7BEB-44E4-9852-375E34362B5B}" type="datetime1">
               <a:rPr lang="en-US" smtClean="0"/>
-              <a:t>12/12/2019</a:t>
+              <a:t>12/17/2019</a:t>
             </a:fld>
             <a:endParaRPr lang="en-US" dirty="0"/>
           </a:p>
@@ -2256,7 +2256,7 @@
           <a:p>
             <a:fld id="{BAAAC38D-0552-4C82-B593-E6124DFADBE2}" type="datetime1">
               <a:rPr lang="en-US" smtClean="0"/>
-              <a:t>12/12/2019</a:t>
+              <a:t>12/17/2019</a:t>
             </a:fld>
             <a:endParaRPr lang="en-US" dirty="0"/>
           </a:p>
@@ -2623,7 +2623,7 @@
           <a:p>
             <a:fld id="{D9DF0F1C-5577-4ACB-BB62-DF8F3C494C7E}" type="datetime1">
               <a:rPr lang="en-US" smtClean="0"/>
-              <a:t>12/12/2019</a:t>
+              <a:t>12/17/2019</a:t>
             </a:fld>
             <a:endParaRPr lang="en-US" dirty="0"/>
           </a:p>
@@ -2741,7 +2741,7 @@
           <a:p>
             <a:fld id="{1775B394-D9F9-4F0C-B15D-605F45CB9E9F}" type="datetime1">
               <a:rPr lang="en-US" smtClean="0"/>
-              <a:t>12/12/2019</a:t>
+              <a:t>12/17/2019</a:t>
             </a:fld>
             <a:endParaRPr lang="en-US" dirty="0"/>
           </a:p>
@@ -2836,7 +2836,7 @@
           <a:p>
             <a:fld id="{39667345-2558-425A-8533-9BFDBCE15005}" type="datetime1">
               <a:rPr lang="en-US" smtClean="0"/>
-              <a:t>12/12/2019</a:t>
+              <a:t>12/17/2019</a:t>
             </a:fld>
             <a:endParaRPr lang="en-US" dirty="0"/>
           </a:p>
@@ -3113,7 +3113,7 @@
           <a:p>
             <a:fld id="{92BEA474-078D-4E9B-9B14-09A87B19DC46}" type="datetime1">
               <a:rPr lang="en-US" smtClean="0"/>
-              <a:t>12/12/2019</a:t>
+              <a:t>12/17/2019</a:t>
             </a:fld>
             <a:endParaRPr lang="en-US" dirty="0"/>
           </a:p>
@@ -3367,7 +3367,7 @@
           <a:p>
             <a:fld id="{4907D986-8816-4272-A432-0437A28A9828}" type="datetime1">
               <a:rPr lang="en-US" smtClean="0"/>
-              <a:t>12/12/2019</a:t>
+              <a:t>12/17/2019</a:t>
             </a:fld>
             <a:endParaRPr lang="en-US" dirty="0"/>
           </a:p>
@@ -3581,7 +3581,7 @@
           <a:p>
             <a:fld id="{62D6E202-B606-4609-B914-27C9371A1F6D}" type="datetime1">
               <a:rPr lang="en-US" smtClean="0"/>
-              <a:t>12/12/2019</a:t>
+              <a:t>12/17/2019</a:t>
             </a:fld>
             <a:endParaRPr lang="en-US" dirty="0"/>
           </a:p>
@@ -4970,14 +4970,7 @@
                 <a:latin typeface="Times New Roman" panose="02020603050405020304" pitchFamily="18" charset="0"/>
                 <a:cs typeface="Times New Roman" panose="02020603050405020304" pitchFamily="18" charset="0"/>
               </a:rPr>
-              <a:t>3.Trình bày </a:t>
-            </a:r>
-            <a:r>
-              <a:rPr lang="en-US" dirty="0" smtClean="0">
-                <a:latin typeface="Times New Roman" panose="02020603050405020304" pitchFamily="18" charset="0"/>
-                <a:cs typeface="Times New Roman" panose="02020603050405020304" pitchFamily="18" charset="0"/>
-              </a:rPr>
-              <a:t>Release Burn Down </a:t>
+              <a:t>3.Trình bày Release Burn Down </a:t>
             </a:r>
             <a:endParaRPr lang="en-US" dirty="0">
               <a:latin typeface="Times New Roman" panose="02020603050405020304" pitchFamily="18" charset="0"/>
@@ -5099,25 +5092,11 @@
           <a:lstStyle/>
           <a:p>
             <a:r>
-              <a:rPr lang="en-US" sz="2400" dirty="0">
-                <a:latin typeface="Times New Roman" panose="02020603050405020304" pitchFamily="18" charset="0"/>
-                <a:cs typeface="Times New Roman" panose="02020603050405020304" pitchFamily="18" charset="0"/>
-              </a:rPr>
-              <a:t>3. Trình bày </a:t>
-            </a:r>
-            <a:r>
-              <a:rPr lang="en-US" sz="2400" dirty="0">
-                <a:latin typeface="Times New Roman" panose="02020603050405020304" pitchFamily="18" charset="0"/>
-                <a:cs typeface="Times New Roman" panose="02020603050405020304" pitchFamily="18" charset="0"/>
-              </a:rPr>
-              <a:t>Tốc lực (Velocity) của nhóm, năng suất làm việc của nhóm, tình trạng ngân sách và chi phí của nhóm, cập nhập sản phẩm Product Backlog, cập nhập sản phẩm “Kế hoạch phân phối (Release Plan)” của </a:t>
-            </a:r>
-            <a:r>
-              <a:rPr lang="en-US" sz="2400" dirty="0" smtClean="0">
-                <a:latin typeface="Times New Roman" panose="02020603050405020304" pitchFamily="18" charset="0"/>
-                <a:cs typeface="Times New Roman" panose="02020603050405020304" pitchFamily="18" charset="0"/>
-              </a:rPr>
-              <a:t>nhóm</a:t>
+              <a:rPr lang="en-US" sz="2400" smtClean="0">
+                <a:latin typeface="Times New Roman" panose="02020603050405020304" pitchFamily="18" charset="0"/>
+                <a:cs typeface="Times New Roman" panose="02020603050405020304" pitchFamily="18" charset="0"/>
+              </a:rPr>
+              <a:t>3. Trình bày Tốc lực (Velocity) của nhóm, năng suất làm việc của nhóm, tình trạng ngân sách và chi phí của nhóm, cập nhập sản phẩm Product Backlog, cập nhập sản phẩm “Kế hoạch phân phối (Release Plan)” của nhóm</a:t>
             </a:r>
             <a:endParaRPr lang="en-US" sz="2400" dirty="0">
               <a:latin typeface="Times New Roman" panose="02020603050405020304" pitchFamily="18" charset="0"/>
@@ -5157,7 +5136,28 @@
                 <a:latin typeface="Times New Roman" panose="02020603050405020304" pitchFamily="18" charset="0"/>
                 <a:cs typeface="Times New Roman" panose="02020603050405020304" pitchFamily="18" charset="0"/>
               </a:rPr>
-              <a:t>Nhóm có tất cả 52 point với 8 tuần để làm =&gt; Tốc lực là 6.5 point/tuần</a:t>
+              <a:t>Nhóm có tất </a:t>
+            </a:r>
+            <a:r>
+              <a:rPr lang="en-US" sz="2000" smtClean="0">
+                <a:latin typeface="Times New Roman" panose="02020603050405020304" pitchFamily="18" charset="0"/>
+                <a:cs typeface="Times New Roman" panose="02020603050405020304" pitchFamily="18" charset="0"/>
+              </a:rPr>
+              <a:t>cả </a:t>
+            </a:r>
+            <a:r>
+              <a:rPr lang="en-US" sz="2000" smtClean="0">
+                <a:latin typeface="Times New Roman" panose="02020603050405020304" pitchFamily="18" charset="0"/>
+                <a:cs typeface="Times New Roman" panose="02020603050405020304" pitchFamily="18" charset="0"/>
+              </a:rPr>
+              <a:t>52 </a:t>
+            </a:r>
+            <a:r>
+              <a:rPr lang="en-US" sz="2000" dirty="0" smtClean="0">
+                <a:latin typeface="Times New Roman" panose="02020603050405020304" pitchFamily="18" charset="0"/>
+                <a:cs typeface="Times New Roman" panose="02020603050405020304" pitchFamily="18" charset="0"/>
+              </a:rPr>
+              <a:t>point với 8 tuần để làm =&gt; Tốc lực là 6.5 point/tuần</a:t>
             </a:r>
           </a:p>
           <a:p>
@@ -7927,13 +7927,7 @@
                         <a:rPr lang="en-US" sz="1200" dirty="0" smtClean="0">
                           <a:effectLst/>
                         </a:rPr>
-                        <a:t>0</a:t>
-                      </a:r>
-                      <a:r>
-                        <a:rPr lang="en-US" sz="1200" dirty="0" smtClean="0">
-                          <a:effectLst/>
-                        </a:rPr>
-                        <a:t>%</a:t>
+                        <a:t>0%</a:t>
                       </a:r>
                       <a:endParaRPr lang="en-US" sz="1100" dirty="0">
                         <a:effectLst/>
@@ -13506,10 +13500,6 @@
               </a:rPr>
               <a:t>Làm sao đảm bảo các sản phẩm của dự án đạt chất lượng khách hàng yêu cầu ?</a:t>
             </a:r>
-            <a:endParaRPr lang="en-US" sz="2000" dirty="0" smtClean="0">
-              <a:latin typeface="Times New Roman" panose="02020603050405020304" pitchFamily="18" charset="0"/>
-              <a:cs typeface="Times New Roman" panose="02020603050405020304" pitchFamily="18" charset="0"/>
-            </a:endParaRPr>
           </a:p>
           <a:p>
             <a:pPr marL="457200" indent="-457200">
@@ -13522,21 +13512,7 @@
                 <a:latin typeface="Times New Roman" panose="02020603050405020304" pitchFamily="18" charset="0"/>
                 <a:cs typeface="Times New Roman" panose="02020603050405020304" pitchFamily="18" charset="0"/>
               </a:rPr>
-              <a:t>Làm sao để </a:t>
-            </a:r>
-            <a:r>
-              <a:rPr lang="en-US" sz="2000" dirty="0" smtClean="0">
-                <a:latin typeface="Times New Roman" panose="02020603050405020304" pitchFamily="18" charset="0"/>
-                <a:cs typeface="Times New Roman" panose="02020603050405020304" pitchFamily="18" charset="0"/>
-              </a:rPr>
-              <a:t>tăng </a:t>
-            </a:r>
-            <a:r>
-              <a:rPr lang="en-US" sz="2000" dirty="0" smtClean="0">
-                <a:latin typeface="Times New Roman" panose="02020603050405020304" pitchFamily="18" charset="0"/>
-                <a:cs typeface="Times New Roman" panose="02020603050405020304" pitchFamily="18" charset="0"/>
-              </a:rPr>
-              <a:t>năng xuất làm việc cho các thành viên ?</a:t>
+              <a:t>Làm sao để tăng năng xuất làm việc cho các thành viên ?</a:t>
             </a:r>
           </a:p>
           <a:p>
@@ -13835,14 +13811,7 @@
                 <a:latin typeface="Times New Roman" panose="02020603050405020304" pitchFamily="18" charset="0"/>
                 <a:cs typeface="Times New Roman" panose="02020603050405020304" pitchFamily="18" charset="0"/>
               </a:rPr>
-              <a:t>Thường xuyên đưa ra các bản release cho khách hàng xem để dễ dàng chỉnh sửa ngay từ đầu</a:t>
-            </a:r>
-            <a:r>
-              <a:rPr lang="en-US" sz="2400" dirty="0" smtClean="0">
-                <a:latin typeface="Times New Roman" panose="02020603050405020304" pitchFamily="18" charset="0"/>
-                <a:cs typeface="Times New Roman" panose="02020603050405020304" pitchFamily="18" charset="0"/>
-              </a:rPr>
-              <a:t> </a:t>
+              <a:t>Thường xuyên đưa ra các bản release cho khách hàng xem để dễ dàng chỉnh sửa ngay từ đầu </a:t>
             </a:r>
             <a:endParaRPr lang="en-US" sz="2400" dirty="0">
               <a:latin typeface="Times New Roman" panose="02020603050405020304" pitchFamily="18" charset="0"/>
@@ -14006,10 +13975,6 @@
               </a:rPr>
               <a:t>Sử dụng các công nghệ mới hỗ trợ công việc</a:t>
             </a:r>
-            <a:endParaRPr lang="en-US" sz="2400" dirty="0" smtClean="0">
-              <a:latin typeface="Times New Roman" panose="02020603050405020304" pitchFamily="18" charset="0"/>
-              <a:cs typeface="Times New Roman" panose="02020603050405020304" pitchFamily="18" charset="0"/>
-            </a:endParaRPr>
           </a:p>
           <a:p>
             <a:pPr>
@@ -14021,14 +13986,7 @@
                 <a:latin typeface="Times New Roman" panose="02020603050405020304" pitchFamily="18" charset="0"/>
                 <a:cs typeface="Times New Roman" panose="02020603050405020304" pitchFamily="18" charset="0"/>
               </a:rPr>
-              <a:t>Nhóm có tổ chức những buổi đi ăn uống để mọi người gặp gỡ , vui chơi giúp nhóm làm việc tốt </a:t>
-            </a:r>
-            <a:r>
-              <a:rPr lang="en-US" sz="2400" dirty="0" smtClean="0">
-                <a:latin typeface="Times New Roman" panose="02020603050405020304" pitchFamily="18" charset="0"/>
-                <a:cs typeface="Times New Roman" panose="02020603050405020304" pitchFamily="18" charset="0"/>
-              </a:rPr>
-              <a:t>hơn</a:t>
+              <a:t>Nhóm có tổ chức những buổi đi ăn uống để mọi người gặp gỡ , vui chơi giúp nhóm làm việc tốt hơn</a:t>
             </a:r>
           </a:p>
           <a:p>
@@ -14621,10 +14579,6 @@
               </a:rPr>
               <a:t>Thấp</a:t>
             </a:r>
-            <a:endParaRPr lang="en-US" sz="2000" dirty="0" smtClean="0">
-              <a:latin typeface="Times New Roman" panose="02020603050405020304" pitchFamily="18" charset="0"/>
-              <a:cs typeface="Times New Roman" panose="02020603050405020304" pitchFamily="18" charset="0"/>
-            </a:endParaRPr>
           </a:p>
           <a:p>
             <a:r>
@@ -14727,10 +14681,6 @@
               </a:rPr>
               <a:t>Khá cao</a:t>
             </a:r>
-            <a:endParaRPr lang="en-US" sz="2000" dirty="0" smtClean="0">
-              <a:latin typeface="Times New Roman" panose="02020603050405020304" pitchFamily="18" charset="0"/>
-              <a:cs typeface="Times New Roman" panose="02020603050405020304" pitchFamily="18" charset="0"/>
-            </a:endParaRPr>
           </a:p>
           <a:p>
             <a:r>
